--- a/CSE102/SLIDE/CSE-102_Lec-1.pptx
+++ b/CSE102/SLIDE/CSE-102_Lec-1.pptx
@@ -226,7 +226,7 @@
           <a:p>
             <a:fld id="{91178D83-C6C1-4420-9D8E-615D98AE1881}" type="datetimeFigureOut">
               <a:rPr lang="en-US" smtClean="0"/>
-              <a:t>2022-05-20</a:t>
+              <a:t>6/29/2022</a:t>
             </a:fld>
             <a:endParaRPr lang="en-US"/>
           </a:p>
@@ -1520,7 +1520,7 @@
             <a:fld id="{4AAD347D-5ACD-4C99-B74B-A9C85AD731AF}" type="datetimeFigureOut">
               <a:rPr lang="en-US" dirty="0"/>
               <a:pPr/>
-              <a:t>2022-05-20</a:t>
+              <a:t>6/29/2022</a:t>
             </a:fld>
             <a:endParaRPr lang="en-US" dirty="0"/>
           </a:p>
@@ -1792,7 +1792,7 @@
             <a:fld id="{4509A250-FF31-4206-8172-F9D3106AACB1}" type="datetimeFigureOut">
               <a:rPr lang="en-US" dirty="0"/>
               <a:pPr/>
-              <a:t>2022-05-20</a:t>
+              <a:t>6/29/2022</a:t>
             </a:fld>
             <a:endParaRPr lang="en-US" dirty="0"/>
           </a:p>
@@ -1983,7 +1983,7 @@
             <a:fld id="{4509A250-FF31-4206-8172-F9D3106AACB1}" type="datetimeFigureOut">
               <a:rPr lang="en-US" dirty="0"/>
               <a:pPr/>
-              <a:t>2022-05-20</a:t>
+              <a:t>6/29/2022</a:t>
             </a:fld>
             <a:endParaRPr lang="en-US" dirty="0"/>
           </a:p>
@@ -2253,7 +2253,7 @@
             <a:fld id="{4509A250-FF31-4206-8172-F9D3106AACB1}" type="datetimeFigureOut">
               <a:rPr lang="en-US" dirty="0"/>
               <a:pPr/>
-              <a:t>2022-05-20</a:t>
+              <a:t>6/29/2022</a:t>
             </a:fld>
             <a:endParaRPr lang="en-US" dirty="0"/>
           </a:p>
@@ -2591,7 +2591,7 @@
             <a:fld id="{4509A250-FF31-4206-8172-F9D3106AACB1}" type="datetimeFigureOut">
               <a:rPr lang="en-US" dirty="0"/>
               <a:pPr/>
-              <a:t>2022-05-20</a:t>
+              <a:t>6/29/2022</a:t>
             </a:fld>
             <a:endParaRPr lang="en-US" dirty="0"/>
           </a:p>
@@ -3211,7 +3211,7 @@
             <a:fld id="{4509A250-FF31-4206-8172-F9D3106AACB1}" type="datetimeFigureOut">
               <a:rPr lang="en-US" dirty="0"/>
               <a:pPr/>
-              <a:t>2022-05-20</a:t>
+              <a:t>6/29/2022</a:t>
             </a:fld>
             <a:endParaRPr lang="en-US" dirty="0"/>
           </a:p>
@@ -4068,7 +4068,7 @@
             <a:fld id="{4509A250-FF31-4206-8172-F9D3106AACB1}" type="datetimeFigureOut">
               <a:rPr lang="en-US" dirty="0"/>
               <a:pPr/>
-              <a:t>2022-05-20</a:t>
+              <a:t>6/29/2022</a:t>
             </a:fld>
             <a:endParaRPr lang="en-US" dirty="0"/>
           </a:p>
@@ -4235,7 +4235,7 @@
             <a:fld id="{4509A250-FF31-4206-8172-F9D3106AACB1}" type="datetimeFigureOut">
               <a:rPr lang="en-US" dirty="0"/>
               <a:pPr/>
-              <a:t>2022-05-20</a:t>
+              <a:t>6/29/2022</a:t>
             </a:fld>
             <a:endParaRPr lang="en-US" dirty="0"/>
           </a:p>
@@ -4412,7 +4412,7 @@
             <a:fld id="{4509A250-FF31-4206-8172-F9D3106AACB1}" type="datetimeFigureOut">
               <a:rPr lang="en-US" dirty="0"/>
               <a:pPr/>
-              <a:t>2022-05-20</a:t>
+              <a:t>6/29/2022</a:t>
             </a:fld>
             <a:endParaRPr lang="en-US" dirty="0"/>
           </a:p>
@@ -4579,7 +4579,7 @@
             <a:fld id="{4509A250-FF31-4206-8172-F9D3106AACB1}" type="datetimeFigureOut">
               <a:rPr lang="en-US" dirty="0"/>
               <a:pPr/>
-              <a:t>2022-05-20</a:t>
+              <a:t>6/29/2022</a:t>
             </a:fld>
             <a:endParaRPr lang="en-US" dirty="0"/>
           </a:p>
@@ -4823,7 +4823,7 @@
             <a:fld id="{9796027F-7875-4030-9381-8BD8C4F21935}" type="datetimeFigureOut">
               <a:rPr lang="en-US" dirty="0"/>
               <a:pPr/>
-              <a:t>2022-05-20</a:t>
+              <a:t>6/29/2022</a:t>
             </a:fld>
             <a:endParaRPr lang="en-US" dirty="0"/>
           </a:p>
@@ -5112,7 +5112,7 @@
             <a:fld id="{9796027F-7875-4030-9381-8BD8C4F21935}" type="datetimeFigureOut">
               <a:rPr lang="en-US" dirty="0"/>
               <a:pPr/>
-              <a:t>2022-05-20</a:t>
+              <a:t>6/29/2022</a:t>
             </a:fld>
             <a:endParaRPr lang="en-US" dirty="0"/>
           </a:p>
@@ -5553,7 +5553,7 @@
             <a:fld id="{9796027F-7875-4030-9381-8BD8C4F21935}" type="datetimeFigureOut">
               <a:rPr lang="en-US" dirty="0"/>
               <a:pPr/>
-              <a:t>2022-05-20</a:t>
+              <a:t>6/29/2022</a:t>
             </a:fld>
             <a:endParaRPr lang="en-US" dirty="0"/>
           </a:p>
@@ -5668,7 +5668,7 @@
             <a:fld id="{4509A250-FF31-4206-8172-F9D3106AACB1}" type="datetimeFigureOut">
               <a:rPr lang="en-US" dirty="0"/>
               <a:pPr/>
-              <a:t>2022-05-20</a:t>
+              <a:t>6/29/2022</a:t>
             </a:fld>
             <a:endParaRPr lang="en-US" dirty="0"/>
           </a:p>
@@ -5760,7 +5760,7 @@
             <a:fld id="{4509A250-FF31-4206-8172-F9D3106AACB1}" type="datetimeFigureOut">
               <a:rPr lang="en-US" dirty="0"/>
               <a:pPr/>
-              <a:t>2022-05-20</a:t>
+              <a:t>6/29/2022</a:t>
             </a:fld>
             <a:endParaRPr lang="en-US" dirty="0"/>
           </a:p>
@@ -6036,7 +6036,7 @@
             <a:fld id="{4509A250-FF31-4206-8172-F9D3106AACB1}" type="datetimeFigureOut">
               <a:rPr lang="en-US" dirty="0"/>
               <a:pPr/>
-              <a:t>2022-05-20</a:t>
+              <a:t>6/29/2022</a:t>
             </a:fld>
             <a:endParaRPr lang="en-US" dirty="0"/>
           </a:p>
@@ -6308,7 +6308,7 @@
             <a:fld id="{4509A250-FF31-4206-8172-F9D3106AACB1}" type="datetimeFigureOut">
               <a:rPr lang="en-US" dirty="0"/>
               <a:pPr/>
-              <a:t>2022-05-20</a:t>
+              <a:t>6/29/2022</a:t>
             </a:fld>
             <a:endParaRPr lang="en-US" dirty="0"/>
           </a:p>
@@ -6734,7 +6734,7 @@
             <a:fld id="{4AAD347D-5ACD-4C99-B74B-A9C85AD731AF}" type="datetimeFigureOut">
               <a:rPr lang="en-US" dirty="0"/>
               <a:pPr/>
-              <a:t>2022-05-20</a:t>
+              <a:t>6/29/2022</a:t>
             </a:fld>
             <a:endParaRPr lang="en-US" dirty="0"/>
           </a:p>
@@ -7294,15 +7294,13 @@
             </a:r>
             <a:r>
               <a:rPr lang="en-US"/>
-              <a:t>-102</a:t>
-            </a:r>
-            <a:br>
-              <a:rPr lang="en-US" dirty="0"/>
-            </a:br>
-            <a:r>
-              <a:rPr lang="en-US" dirty="0"/>
-              <a:t>Fall 2016</a:t>
-            </a:r>
+              <a:t>-</a:t>
+            </a:r>
+            <a:r>
+              <a:rPr lang="en-US" smtClean="0"/>
+              <a:t>102</a:t>
+            </a:r>
+            <a:endParaRPr lang="en-US" dirty="0"/>
           </a:p>
         </p:txBody>
       </p:sp>
@@ -11560,6 +11558,10 @@
                 </a:solidFill>
               </a:rPr>
               <a:t>What is an operating system?</a:t>
+            </a:r>
+            <a:r>
+              <a:rPr dirty="0"/>
+              <a:t/>
             </a:r>
             <a:br>
               <a:rPr dirty="0"/>
